--- a/ppt 16-9/0802.主我们深深知道.pptx
+++ b/ppt 16-9/0802.主我们深深知道.pptx
@@ -129,7 +129,7 @@
           <p:cNvPr id="2" name="标题 1">
             <a:extLst>
               <a:ext uri="{FF2B5EF4-FFF2-40B4-BE49-F238E27FC236}">
-                <a16:creationId xmlns:a16="http://schemas.microsoft.com/office/drawing/2014/main" id="{2AB91B79-14E2-FA75-EAD7-71CC3065A56B}"/>
+                <a16:creationId xmlns:a16="http://schemas.microsoft.com/office/drawing/2014/main" id="{12D1333F-77CE-04D2-F112-1721632087CE}"/>
               </a:ext>
             </a:extLst>
           </p:cNvPr>
@@ -166,7 +166,7 @@
           <p:cNvPr id="3" name="副标题 2">
             <a:extLst>
               <a:ext uri="{FF2B5EF4-FFF2-40B4-BE49-F238E27FC236}">
-                <a16:creationId xmlns:a16="http://schemas.microsoft.com/office/drawing/2014/main" id="{C74B20AA-EABD-1EB4-0BFC-8CBDB7D8FEBB}"/>
+                <a16:creationId xmlns:a16="http://schemas.microsoft.com/office/drawing/2014/main" id="{1972D7F7-F6AC-BD85-B240-89CA5E65F9B2}"/>
               </a:ext>
             </a:extLst>
           </p:cNvPr>
@@ -236,7 +236,7 @@
           <p:cNvPr id="4" name="日期占位符 3">
             <a:extLst>
               <a:ext uri="{FF2B5EF4-FFF2-40B4-BE49-F238E27FC236}">
-                <a16:creationId xmlns:a16="http://schemas.microsoft.com/office/drawing/2014/main" id="{136A0DBD-6C16-3BBB-B412-4DCA76BFB37B}"/>
+                <a16:creationId xmlns:a16="http://schemas.microsoft.com/office/drawing/2014/main" id="{36484C77-1A7B-F466-C41E-A2A317189F13}"/>
               </a:ext>
             </a:extLst>
           </p:cNvPr>
@@ -252,7 +252,7 @@
           <a:bodyPr/>
           <a:lstStyle/>
           <a:p>
-            <a:fld id="{19326FE2-5CA2-4443-9B49-E52FCE63D9E6}" type="datetimeFigureOut">
+            <a:fld id="{44D1AB12-F0B1-4182-B6BD-464679B427F9}" type="datetimeFigureOut">
               <a:rPr lang="zh-CN" altLang="en-US" smtClean="0"/>
               <a:t>2024/3/10</a:t>
             </a:fld>
@@ -265,7 +265,7 @@
           <p:cNvPr id="5" name="页脚占位符 4">
             <a:extLst>
               <a:ext uri="{FF2B5EF4-FFF2-40B4-BE49-F238E27FC236}">
-                <a16:creationId xmlns:a16="http://schemas.microsoft.com/office/drawing/2014/main" id="{53F970C8-FB55-619B-1BC0-3231F1280AD7}"/>
+                <a16:creationId xmlns:a16="http://schemas.microsoft.com/office/drawing/2014/main" id="{4D7D9AB8-3298-85FB-58D8-622DE46A2CF1}"/>
               </a:ext>
             </a:extLst>
           </p:cNvPr>
@@ -290,7 +290,7 @@
           <p:cNvPr id="6" name="灯片编号占位符 5">
             <a:extLst>
               <a:ext uri="{FF2B5EF4-FFF2-40B4-BE49-F238E27FC236}">
-                <a16:creationId xmlns:a16="http://schemas.microsoft.com/office/drawing/2014/main" id="{848F4B67-759B-67F2-FAA3-AEE0B0330DA6}"/>
+                <a16:creationId xmlns:a16="http://schemas.microsoft.com/office/drawing/2014/main" id="{C258C4B9-707A-278C-1398-36FF6880F6FA}"/>
               </a:ext>
             </a:extLst>
           </p:cNvPr>
@@ -306,7 +306,7 @@
           <a:bodyPr/>
           <a:lstStyle/>
           <a:p>
-            <a:fld id="{AF375CCF-3260-4EEE-B184-6CAEC7A927AA}" type="slidenum">
+            <a:fld id="{D4B88D4F-01C0-4599-B78B-CC3F7A0D30CC}" type="slidenum">
               <a:rPr lang="zh-CN" altLang="en-US" smtClean="0"/>
               <a:t>‹#›</a:t>
             </a:fld>
@@ -317,7 +317,7 @@
     </p:spTree>
     <p:extLst>
       <p:ext uri="{BB962C8B-B14F-4D97-AF65-F5344CB8AC3E}">
-        <p14:creationId xmlns:p14="http://schemas.microsoft.com/office/powerpoint/2010/main" val="4238148052"/>
+        <p14:creationId xmlns:p14="http://schemas.microsoft.com/office/powerpoint/2010/main" val="566182587"/>
       </p:ext>
     </p:extLst>
   </p:cSld>
@@ -349,7 +349,7 @@
           <p:cNvPr id="2" name="标题 1">
             <a:extLst>
               <a:ext uri="{FF2B5EF4-FFF2-40B4-BE49-F238E27FC236}">
-                <a16:creationId xmlns:a16="http://schemas.microsoft.com/office/drawing/2014/main" id="{9D8AB0DD-732F-AE5E-7D47-55B162283AFE}"/>
+                <a16:creationId xmlns:a16="http://schemas.microsoft.com/office/drawing/2014/main" id="{D8F1D1A0-592E-6898-D60F-9CD08CF2F5EB}"/>
               </a:ext>
             </a:extLst>
           </p:cNvPr>
@@ -377,7 +377,7 @@
           <p:cNvPr id="3" name="竖排文字占位符 2">
             <a:extLst>
               <a:ext uri="{FF2B5EF4-FFF2-40B4-BE49-F238E27FC236}">
-                <a16:creationId xmlns:a16="http://schemas.microsoft.com/office/drawing/2014/main" id="{950E30ED-AEDA-E250-AFA9-B33960CF8541}"/>
+                <a16:creationId xmlns:a16="http://schemas.microsoft.com/office/drawing/2014/main" id="{9D5819F8-50EB-E079-4BB3-1167A86732BF}"/>
               </a:ext>
             </a:extLst>
           </p:cNvPr>
@@ -434,7 +434,7 @@
           <p:cNvPr id="4" name="日期占位符 3">
             <a:extLst>
               <a:ext uri="{FF2B5EF4-FFF2-40B4-BE49-F238E27FC236}">
-                <a16:creationId xmlns:a16="http://schemas.microsoft.com/office/drawing/2014/main" id="{04223592-8495-E318-2649-EEA0284CF6B4}"/>
+                <a16:creationId xmlns:a16="http://schemas.microsoft.com/office/drawing/2014/main" id="{A3BCB446-1CBA-881F-6297-35F2BE8FD691}"/>
               </a:ext>
             </a:extLst>
           </p:cNvPr>
@@ -450,7 +450,7 @@
           <a:bodyPr/>
           <a:lstStyle/>
           <a:p>
-            <a:fld id="{19326FE2-5CA2-4443-9B49-E52FCE63D9E6}" type="datetimeFigureOut">
+            <a:fld id="{44D1AB12-F0B1-4182-B6BD-464679B427F9}" type="datetimeFigureOut">
               <a:rPr lang="zh-CN" altLang="en-US" smtClean="0"/>
               <a:t>2024/3/10</a:t>
             </a:fld>
@@ -463,7 +463,7 @@
           <p:cNvPr id="5" name="页脚占位符 4">
             <a:extLst>
               <a:ext uri="{FF2B5EF4-FFF2-40B4-BE49-F238E27FC236}">
-                <a16:creationId xmlns:a16="http://schemas.microsoft.com/office/drawing/2014/main" id="{0E91C962-4D9B-D19E-FD73-5D49ED2A55D0}"/>
+                <a16:creationId xmlns:a16="http://schemas.microsoft.com/office/drawing/2014/main" id="{20E7F0B5-EE84-AF98-E673-837442767973}"/>
               </a:ext>
             </a:extLst>
           </p:cNvPr>
@@ -488,7 +488,7 @@
           <p:cNvPr id="6" name="灯片编号占位符 5">
             <a:extLst>
               <a:ext uri="{FF2B5EF4-FFF2-40B4-BE49-F238E27FC236}">
-                <a16:creationId xmlns:a16="http://schemas.microsoft.com/office/drawing/2014/main" id="{D60381F1-88C5-91A1-E88E-7C42D4691DD6}"/>
+                <a16:creationId xmlns:a16="http://schemas.microsoft.com/office/drawing/2014/main" id="{71BB6B95-B2AC-ECA6-DEB0-780F0E47BC85}"/>
               </a:ext>
             </a:extLst>
           </p:cNvPr>
@@ -504,7 +504,7 @@
           <a:bodyPr/>
           <a:lstStyle/>
           <a:p>
-            <a:fld id="{AF375CCF-3260-4EEE-B184-6CAEC7A927AA}" type="slidenum">
+            <a:fld id="{D4B88D4F-01C0-4599-B78B-CC3F7A0D30CC}" type="slidenum">
               <a:rPr lang="zh-CN" altLang="en-US" smtClean="0"/>
               <a:t>‹#›</a:t>
             </a:fld>
@@ -515,7 +515,7 @@
     </p:spTree>
     <p:extLst>
       <p:ext uri="{BB962C8B-B14F-4D97-AF65-F5344CB8AC3E}">
-        <p14:creationId xmlns:p14="http://schemas.microsoft.com/office/powerpoint/2010/main" val="3479975309"/>
+        <p14:creationId xmlns:p14="http://schemas.microsoft.com/office/powerpoint/2010/main" val="1308621970"/>
       </p:ext>
     </p:extLst>
   </p:cSld>
@@ -547,7 +547,7 @@
           <p:cNvPr id="2" name="竖排标题 1">
             <a:extLst>
               <a:ext uri="{FF2B5EF4-FFF2-40B4-BE49-F238E27FC236}">
-                <a16:creationId xmlns:a16="http://schemas.microsoft.com/office/drawing/2014/main" id="{AA44AC86-7273-44ED-A50B-812B8FB85E9E}"/>
+                <a16:creationId xmlns:a16="http://schemas.microsoft.com/office/drawing/2014/main" id="{5E1BA0FB-2D9E-38D4-110A-C6B086A55093}"/>
               </a:ext>
             </a:extLst>
           </p:cNvPr>
@@ -580,7 +580,7 @@
           <p:cNvPr id="3" name="竖排文字占位符 2">
             <a:extLst>
               <a:ext uri="{FF2B5EF4-FFF2-40B4-BE49-F238E27FC236}">
-                <a16:creationId xmlns:a16="http://schemas.microsoft.com/office/drawing/2014/main" id="{37365725-AD6D-9BD3-7EA8-F1BF888DCDB1}"/>
+                <a16:creationId xmlns:a16="http://schemas.microsoft.com/office/drawing/2014/main" id="{64456E3F-0CAD-E901-33BA-6ADF57BEE7F1}"/>
               </a:ext>
             </a:extLst>
           </p:cNvPr>
@@ -642,7 +642,7 @@
           <p:cNvPr id="4" name="日期占位符 3">
             <a:extLst>
               <a:ext uri="{FF2B5EF4-FFF2-40B4-BE49-F238E27FC236}">
-                <a16:creationId xmlns:a16="http://schemas.microsoft.com/office/drawing/2014/main" id="{27B0017D-F305-0A5B-898F-F5DDB9F047E3}"/>
+                <a16:creationId xmlns:a16="http://schemas.microsoft.com/office/drawing/2014/main" id="{E8EF1022-F502-560D-C200-D956FE45F46D}"/>
               </a:ext>
             </a:extLst>
           </p:cNvPr>
@@ -658,7 +658,7 @@
           <a:bodyPr/>
           <a:lstStyle/>
           <a:p>
-            <a:fld id="{19326FE2-5CA2-4443-9B49-E52FCE63D9E6}" type="datetimeFigureOut">
+            <a:fld id="{44D1AB12-F0B1-4182-B6BD-464679B427F9}" type="datetimeFigureOut">
               <a:rPr lang="zh-CN" altLang="en-US" smtClean="0"/>
               <a:t>2024/3/10</a:t>
             </a:fld>
@@ -671,7 +671,7 @@
           <p:cNvPr id="5" name="页脚占位符 4">
             <a:extLst>
               <a:ext uri="{FF2B5EF4-FFF2-40B4-BE49-F238E27FC236}">
-                <a16:creationId xmlns:a16="http://schemas.microsoft.com/office/drawing/2014/main" id="{85259B38-CD09-84E3-4B88-7F7B5CA63BF7}"/>
+                <a16:creationId xmlns:a16="http://schemas.microsoft.com/office/drawing/2014/main" id="{F1124777-5D5D-A5F9-CD53-81CC247D4FD5}"/>
               </a:ext>
             </a:extLst>
           </p:cNvPr>
@@ -696,7 +696,7 @@
           <p:cNvPr id="6" name="灯片编号占位符 5">
             <a:extLst>
               <a:ext uri="{FF2B5EF4-FFF2-40B4-BE49-F238E27FC236}">
-                <a16:creationId xmlns:a16="http://schemas.microsoft.com/office/drawing/2014/main" id="{202BEE22-2FDE-1DEA-7A2C-4588B3CACDDA}"/>
+                <a16:creationId xmlns:a16="http://schemas.microsoft.com/office/drawing/2014/main" id="{00E728B1-FD3F-9998-2D97-EE998AF77A29}"/>
               </a:ext>
             </a:extLst>
           </p:cNvPr>
@@ -712,7 +712,7 @@
           <a:bodyPr/>
           <a:lstStyle/>
           <a:p>
-            <a:fld id="{AF375CCF-3260-4EEE-B184-6CAEC7A927AA}" type="slidenum">
+            <a:fld id="{D4B88D4F-01C0-4599-B78B-CC3F7A0D30CC}" type="slidenum">
               <a:rPr lang="zh-CN" altLang="en-US" smtClean="0"/>
               <a:t>‹#›</a:t>
             </a:fld>
@@ -723,7 +723,7 @@
     </p:spTree>
     <p:extLst>
       <p:ext uri="{BB962C8B-B14F-4D97-AF65-F5344CB8AC3E}">
-        <p14:creationId xmlns:p14="http://schemas.microsoft.com/office/powerpoint/2010/main" val="1818536769"/>
+        <p14:creationId xmlns:p14="http://schemas.microsoft.com/office/powerpoint/2010/main" val="456962523"/>
       </p:ext>
     </p:extLst>
   </p:cSld>
@@ -755,7 +755,7 @@
           <p:cNvPr id="2" name="标题 1">
             <a:extLst>
               <a:ext uri="{FF2B5EF4-FFF2-40B4-BE49-F238E27FC236}">
-                <a16:creationId xmlns:a16="http://schemas.microsoft.com/office/drawing/2014/main" id="{F4447CFC-2A65-7061-F8BC-905E56B043AC}"/>
+                <a16:creationId xmlns:a16="http://schemas.microsoft.com/office/drawing/2014/main" id="{A21F021A-278F-81D8-17C8-9AED15DB6466}"/>
               </a:ext>
             </a:extLst>
           </p:cNvPr>
@@ -783,7 +783,7 @@
           <p:cNvPr id="3" name="内容占位符 2">
             <a:extLst>
               <a:ext uri="{FF2B5EF4-FFF2-40B4-BE49-F238E27FC236}">
-                <a16:creationId xmlns:a16="http://schemas.microsoft.com/office/drawing/2014/main" id="{22FADA96-C202-942A-7870-806C60CB1865}"/>
+                <a16:creationId xmlns:a16="http://schemas.microsoft.com/office/drawing/2014/main" id="{3CD566B5-D83B-7144-B8BE-4C2FE827145D}"/>
               </a:ext>
             </a:extLst>
           </p:cNvPr>
@@ -840,7 +840,7 @@
           <p:cNvPr id="4" name="日期占位符 3">
             <a:extLst>
               <a:ext uri="{FF2B5EF4-FFF2-40B4-BE49-F238E27FC236}">
-                <a16:creationId xmlns:a16="http://schemas.microsoft.com/office/drawing/2014/main" id="{A2BD893E-B0E7-A7C0-9564-DDB368BC36DA}"/>
+                <a16:creationId xmlns:a16="http://schemas.microsoft.com/office/drawing/2014/main" id="{84BE07C4-F209-DA42-23D9-1E6CB7032A72}"/>
               </a:ext>
             </a:extLst>
           </p:cNvPr>
@@ -856,7 +856,7 @@
           <a:bodyPr/>
           <a:lstStyle/>
           <a:p>
-            <a:fld id="{19326FE2-5CA2-4443-9B49-E52FCE63D9E6}" type="datetimeFigureOut">
+            <a:fld id="{44D1AB12-F0B1-4182-B6BD-464679B427F9}" type="datetimeFigureOut">
               <a:rPr lang="zh-CN" altLang="en-US" smtClean="0"/>
               <a:t>2024/3/10</a:t>
             </a:fld>
@@ -869,7 +869,7 @@
           <p:cNvPr id="5" name="页脚占位符 4">
             <a:extLst>
               <a:ext uri="{FF2B5EF4-FFF2-40B4-BE49-F238E27FC236}">
-                <a16:creationId xmlns:a16="http://schemas.microsoft.com/office/drawing/2014/main" id="{1DA72808-FBCF-7E81-76ED-1170EBBD411C}"/>
+                <a16:creationId xmlns:a16="http://schemas.microsoft.com/office/drawing/2014/main" id="{77F094CE-B0F1-FD73-6CAB-22B616CB8D02}"/>
               </a:ext>
             </a:extLst>
           </p:cNvPr>
@@ -894,7 +894,7 @@
           <p:cNvPr id="6" name="灯片编号占位符 5">
             <a:extLst>
               <a:ext uri="{FF2B5EF4-FFF2-40B4-BE49-F238E27FC236}">
-                <a16:creationId xmlns:a16="http://schemas.microsoft.com/office/drawing/2014/main" id="{2CFF35B9-50C6-76D6-6A81-5BD4F26DA3A1}"/>
+                <a16:creationId xmlns:a16="http://schemas.microsoft.com/office/drawing/2014/main" id="{4446E2BC-32A4-6A58-3FBD-E23D674DFA51}"/>
               </a:ext>
             </a:extLst>
           </p:cNvPr>
@@ -910,7 +910,7 @@
           <a:bodyPr/>
           <a:lstStyle/>
           <a:p>
-            <a:fld id="{AF375CCF-3260-4EEE-B184-6CAEC7A927AA}" type="slidenum">
+            <a:fld id="{D4B88D4F-01C0-4599-B78B-CC3F7A0D30CC}" type="slidenum">
               <a:rPr lang="zh-CN" altLang="en-US" smtClean="0"/>
               <a:t>‹#›</a:t>
             </a:fld>
@@ -921,7 +921,7 @@
     </p:spTree>
     <p:extLst>
       <p:ext uri="{BB962C8B-B14F-4D97-AF65-F5344CB8AC3E}">
-        <p14:creationId xmlns:p14="http://schemas.microsoft.com/office/powerpoint/2010/main" val="4246804812"/>
+        <p14:creationId xmlns:p14="http://schemas.microsoft.com/office/powerpoint/2010/main" val="1017886099"/>
       </p:ext>
     </p:extLst>
   </p:cSld>
@@ -953,7 +953,7 @@
           <p:cNvPr id="2" name="标题 1">
             <a:extLst>
               <a:ext uri="{FF2B5EF4-FFF2-40B4-BE49-F238E27FC236}">
-                <a16:creationId xmlns:a16="http://schemas.microsoft.com/office/drawing/2014/main" id="{352624BE-51A6-8157-43B0-A36F90266732}"/>
+                <a16:creationId xmlns:a16="http://schemas.microsoft.com/office/drawing/2014/main" id="{6E3424D7-5B68-19A8-58DA-F6089BF7183F}"/>
               </a:ext>
             </a:extLst>
           </p:cNvPr>
@@ -990,7 +990,7 @@
           <p:cNvPr id="3" name="文本占位符 2">
             <a:extLst>
               <a:ext uri="{FF2B5EF4-FFF2-40B4-BE49-F238E27FC236}">
-                <a16:creationId xmlns:a16="http://schemas.microsoft.com/office/drawing/2014/main" id="{FD208782-D512-1BAC-FBD1-DC866983970C}"/>
+                <a16:creationId xmlns:a16="http://schemas.microsoft.com/office/drawing/2014/main" id="{B8484925-7931-6502-A2FE-843C0D24435A}"/>
               </a:ext>
             </a:extLst>
           </p:cNvPr>
@@ -1115,7 +1115,7 @@
           <p:cNvPr id="4" name="日期占位符 3">
             <a:extLst>
               <a:ext uri="{FF2B5EF4-FFF2-40B4-BE49-F238E27FC236}">
-                <a16:creationId xmlns:a16="http://schemas.microsoft.com/office/drawing/2014/main" id="{06332ADC-BD08-17D1-D434-596947FD13F3}"/>
+                <a16:creationId xmlns:a16="http://schemas.microsoft.com/office/drawing/2014/main" id="{4F0B4B85-0992-7ECD-DB3A-A261E97E6067}"/>
               </a:ext>
             </a:extLst>
           </p:cNvPr>
@@ -1131,7 +1131,7 @@
           <a:bodyPr/>
           <a:lstStyle/>
           <a:p>
-            <a:fld id="{19326FE2-5CA2-4443-9B49-E52FCE63D9E6}" type="datetimeFigureOut">
+            <a:fld id="{44D1AB12-F0B1-4182-B6BD-464679B427F9}" type="datetimeFigureOut">
               <a:rPr lang="zh-CN" altLang="en-US" smtClean="0"/>
               <a:t>2024/3/10</a:t>
             </a:fld>
@@ -1144,7 +1144,7 @@
           <p:cNvPr id="5" name="页脚占位符 4">
             <a:extLst>
               <a:ext uri="{FF2B5EF4-FFF2-40B4-BE49-F238E27FC236}">
-                <a16:creationId xmlns:a16="http://schemas.microsoft.com/office/drawing/2014/main" id="{EB3EC444-3B93-72E3-AD4D-DA4C42CE3193}"/>
+                <a16:creationId xmlns:a16="http://schemas.microsoft.com/office/drawing/2014/main" id="{2075EB4B-B1C4-1B7A-521D-BCE168BC3F28}"/>
               </a:ext>
             </a:extLst>
           </p:cNvPr>
@@ -1169,7 +1169,7 @@
           <p:cNvPr id="6" name="灯片编号占位符 5">
             <a:extLst>
               <a:ext uri="{FF2B5EF4-FFF2-40B4-BE49-F238E27FC236}">
-                <a16:creationId xmlns:a16="http://schemas.microsoft.com/office/drawing/2014/main" id="{8DB94EFA-2872-F7E1-D8C3-E232AE0ED300}"/>
+                <a16:creationId xmlns:a16="http://schemas.microsoft.com/office/drawing/2014/main" id="{B4648469-267C-6D98-2264-BDB716AC3019}"/>
               </a:ext>
             </a:extLst>
           </p:cNvPr>
@@ -1185,7 +1185,7 @@
           <a:bodyPr/>
           <a:lstStyle/>
           <a:p>
-            <a:fld id="{AF375CCF-3260-4EEE-B184-6CAEC7A927AA}" type="slidenum">
+            <a:fld id="{D4B88D4F-01C0-4599-B78B-CC3F7A0D30CC}" type="slidenum">
               <a:rPr lang="zh-CN" altLang="en-US" smtClean="0"/>
               <a:t>‹#›</a:t>
             </a:fld>
@@ -1196,7 +1196,7 @@
     </p:spTree>
     <p:extLst>
       <p:ext uri="{BB962C8B-B14F-4D97-AF65-F5344CB8AC3E}">
-        <p14:creationId xmlns:p14="http://schemas.microsoft.com/office/powerpoint/2010/main" val="4080071128"/>
+        <p14:creationId xmlns:p14="http://schemas.microsoft.com/office/powerpoint/2010/main" val="2239358842"/>
       </p:ext>
     </p:extLst>
   </p:cSld>
@@ -1228,7 +1228,7 @@
           <p:cNvPr id="2" name="标题 1">
             <a:extLst>
               <a:ext uri="{FF2B5EF4-FFF2-40B4-BE49-F238E27FC236}">
-                <a16:creationId xmlns:a16="http://schemas.microsoft.com/office/drawing/2014/main" id="{F934C5DC-B814-FBCE-1C28-DFC25F49368C}"/>
+                <a16:creationId xmlns:a16="http://schemas.microsoft.com/office/drawing/2014/main" id="{BBA9D52F-C3CC-1408-B7BD-E2ACF255505F}"/>
               </a:ext>
             </a:extLst>
           </p:cNvPr>
@@ -1256,7 +1256,7 @@
           <p:cNvPr id="3" name="内容占位符 2">
             <a:extLst>
               <a:ext uri="{FF2B5EF4-FFF2-40B4-BE49-F238E27FC236}">
-                <a16:creationId xmlns:a16="http://schemas.microsoft.com/office/drawing/2014/main" id="{5642103C-1849-B4CC-7202-E01E717BE227}"/>
+                <a16:creationId xmlns:a16="http://schemas.microsoft.com/office/drawing/2014/main" id="{BE915CF0-2B35-CAD3-90FD-5D199C16750C}"/>
               </a:ext>
             </a:extLst>
           </p:cNvPr>
@@ -1318,7 +1318,7 @@
           <p:cNvPr id="4" name="内容占位符 3">
             <a:extLst>
               <a:ext uri="{FF2B5EF4-FFF2-40B4-BE49-F238E27FC236}">
-                <a16:creationId xmlns:a16="http://schemas.microsoft.com/office/drawing/2014/main" id="{545088C8-1CD8-9157-52E1-FD343060B1C4}"/>
+                <a16:creationId xmlns:a16="http://schemas.microsoft.com/office/drawing/2014/main" id="{9BD4726A-7608-71D9-369E-EA90A1BCBFD6}"/>
               </a:ext>
             </a:extLst>
           </p:cNvPr>
@@ -1380,7 +1380,7 @@
           <p:cNvPr id="5" name="日期占位符 4">
             <a:extLst>
               <a:ext uri="{FF2B5EF4-FFF2-40B4-BE49-F238E27FC236}">
-                <a16:creationId xmlns:a16="http://schemas.microsoft.com/office/drawing/2014/main" id="{7BB3ADCA-778F-43DE-7D49-ECDBF1E2C042}"/>
+                <a16:creationId xmlns:a16="http://schemas.microsoft.com/office/drawing/2014/main" id="{BE8BF473-7066-CB98-9FB0-97CA7A9D1732}"/>
               </a:ext>
             </a:extLst>
           </p:cNvPr>
@@ -1396,7 +1396,7 @@
           <a:bodyPr/>
           <a:lstStyle/>
           <a:p>
-            <a:fld id="{19326FE2-5CA2-4443-9B49-E52FCE63D9E6}" type="datetimeFigureOut">
+            <a:fld id="{44D1AB12-F0B1-4182-B6BD-464679B427F9}" type="datetimeFigureOut">
               <a:rPr lang="zh-CN" altLang="en-US" smtClean="0"/>
               <a:t>2024/3/10</a:t>
             </a:fld>
@@ -1409,7 +1409,7 @@
           <p:cNvPr id="6" name="页脚占位符 5">
             <a:extLst>
               <a:ext uri="{FF2B5EF4-FFF2-40B4-BE49-F238E27FC236}">
-                <a16:creationId xmlns:a16="http://schemas.microsoft.com/office/drawing/2014/main" id="{0A264A42-9A5B-FDD2-227F-F9CCBCAC17AF}"/>
+                <a16:creationId xmlns:a16="http://schemas.microsoft.com/office/drawing/2014/main" id="{404EB860-3ECA-CE31-44EE-0533A3F1FD02}"/>
               </a:ext>
             </a:extLst>
           </p:cNvPr>
@@ -1434,7 +1434,7 @@
           <p:cNvPr id="7" name="灯片编号占位符 6">
             <a:extLst>
               <a:ext uri="{FF2B5EF4-FFF2-40B4-BE49-F238E27FC236}">
-                <a16:creationId xmlns:a16="http://schemas.microsoft.com/office/drawing/2014/main" id="{FE61DE44-AE8E-2440-9BA1-3A036FA527C8}"/>
+                <a16:creationId xmlns:a16="http://schemas.microsoft.com/office/drawing/2014/main" id="{E4B686D3-3239-22E8-EFDD-4303975F128F}"/>
               </a:ext>
             </a:extLst>
           </p:cNvPr>
@@ -1450,7 +1450,7 @@
           <a:bodyPr/>
           <a:lstStyle/>
           <a:p>
-            <a:fld id="{AF375CCF-3260-4EEE-B184-6CAEC7A927AA}" type="slidenum">
+            <a:fld id="{D4B88D4F-01C0-4599-B78B-CC3F7A0D30CC}" type="slidenum">
               <a:rPr lang="zh-CN" altLang="en-US" smtClean="0"/>
               <a:t>‹#›</a:t>
             </a:fld>
@@ -1461,7 +1461,7 @@
     </p:spTree>
     <p:extLst>
       <p:ext uri="{BB962C8B-B14F-4D97-AF65-F5344CB8AC3E}">
-        <p14:creationId xmlns:p14="http://schemas.microsoft.com/office/powerpoint/2010/main" val="3134033310"/>
+        <p14:creationId xmlns:p14="http://schemas.microsoft.com/office/powerpoint/2010/main" val="4031669098"/>
       </p:ext>
     </p:extLst>
   </p:cSld>
@@ -1493,7 +1493,7 @@
           <p:cNvPr id="2" name="标题 1">
             <a:extLst>
               <a:ext uri="{FF2B5EF4-FFF2-40B4-BE49-F238E27FC236}">
-                <a16:creationId xmlns:a16="http://schemas.microsoft.com/office/drawing/2014/main" id="{2B0BD0A5-7DBA-1B93-5F56-1C3702D98F86}"/>
+                <a16:creationId xmlns:a16="http://schemas.microsoft.com/office/drawing/2014/main" id="{7984B7E8-D6C7-B48B-A5A1-2894D085B85B}"/>
               </a:ext>
             </a:extLst>
           </p:cNvPr>
@@ -1526,7 +1526,7 @@
           <p:cNvPr id="3" name="文本占位符 2">
             <a:extLst>
               <a:ext uri="{FF2B5EF4-FFF2-40B4-BE49-F238E27FC236}">
-                <a16:creationId xmlns:a16="http://schemas.microsoft.com/office/drawing/2014/main" id="{62D6B3A2-4532-4CDE-A0FF-3C74809E61E0}"/>
+                <a16:creationId xmlns:a16="http://schemas.microsoft.com/office/drawing/2014/main" id="{A9A19806-059A-FE33-DA72-B1CFEC2C3343}"/>
               </a:ext>
             </a:extLst>
           </p:cNvPr>
@@ -1597,7 +1597,7 @@
           <p:cNvPr id="4" name="内容占位符 3">
             <a:extLst>
               <a:ext uri="{FF2B5EF4-FFF2-40B4-BE49-F238E27FC236}">
-                <a16:creationId xmlns:a16="http://schemas.microsoft.com/office/drawing/2014/main" id="{888DBD5F-EE56-3C28-91E7-DF4AAFC60431}"/>
+                <a16:creationId xmlns:a16="http://schemas.microsoft.com/office/drawing/2014/main" id="{657B26F0-E57F-169C-4FF5-FD71EE2EA8DE}"/>
               </a:ext>
             </a:extLst>
           </p:cNvPr>
@@ -1659,7 +1659,7 @@
           <p:cNvPr id="5" name="文本占位符 4">
             <a:extLst>
               <a:ext uri="{FF2B5EF4-FFF2-40B4-BE49-F238E27FC236}">
-                <a16:creationId xmlns:a16="http://schemas.microsoft.com/office/drawing/2014/main" id="{363E05A0-2FF9-F36D-4CDA-EBC704BD0261}"/>
+                <a16:creationId xmlns:a16="http://schemas.microsoft.com/office/drawing/2014/main" id="{922B53A2-883E-6626-5B68-767544B88657}"/>
               </a:ext>
             </a:extLst>
           </p:cNvPr>
@@ -1730,7 +1730,7 @@
           <p:cNvPr id="6" name="内容占位符 5">
             <a:extLst>
               <a:ext uri="{FF2B5EF4-FFF2-40B4-BE49-F238E27FC236}">
-                <a16:creationId xmlns:a16="http://schemas.microsoft.com/office/drawing/2014/main" id="{C8145E99-3767-66A5-0FF6-5967AFD8E706}"/>
+                <a16:creationId xmlns:a16="http://schemas.microsoft.com/office/drawing/2014/main" id="{3CB89919-B735-9D97-933B-890A6E646040}"/>
               </a:ext>
             </a:extLst>
           </p:cNvPr>
@@ -1792,7 +1792,7 @@
           <p:cNvPr id="7" name="日期占位符 6">
             <a:extLst>
               <a:ext uri="{FF2B5EF4-FFF2-40B4-BE49-F238E27FC236}">
-                <a16:creationId xmlns:a16="http://schemas.microsoft.com/office/drawing/2014/main" id="{F00E9B7D-5993-A191-090C-13CCF0F34986}"/>
+                <a16:creationId xmlns:a16="http://schemas.microsoft.com/office/drawing/2014/main" id="{D8DE969A-4ED8-0E0D-449A-740EFBD6A8D5}"/>
               </a:ext>
             </a:extLst>
           </p:cNvPr>
@@ -1808,7 +1808,7 @@
           <a:bodyPr/>
           <a:lstStyle/>
           <a:p>
-            <a:fld id="{19326FE2-5CA2-4443-9B49-E52FCE63D9E6}" type="datetimeFigureOut">
+            <a:fld id="{44D1AB12-F0B1-4182-B6BD-464679B427F9}" type="datetimeFigureOut">
               <a:rPr lang="zh-CN" altLang="en-US" smtClean="0"/>
               <a:t>2024/3/10</a:t>
             </a:fld>
@@ -1821,7 +1821,7 @@
           <p:cNvPr id="8" name="页脚占位符 7">
             <a:extLst>
               <a:ext uri="{FF2B5EF4-FFF2-40B4-BE49-F238E27FC236}">
-                <a16:creationId xmlns:a16="http://schemas.microsoft.com/office/drawing/2014/main" id="{6ABA9C17-60EF-7724-9560-8C81E0ADF189}"/>
+                <a16:creationId xmlns:a16="http://schemas.microsoft.com/office/drawing/2014/main" id="{9BD3D0F5-043D-75C0-E133-EC68AB38DA75}"/>
               </a:ext>
             </a:extLst>
           </p:cNvPr>
@@ -1846,7 +1846,7 @@
           <p:cNvPr id="9" name="灯片编号占位符 8">
             <a:extLst>
               <a:ext uri="{FF2B5EF4-FFF2-40B4-BE49-F238E27FC236}">
-                <a16:creationId xmlns:a16="http://schemas.microsoft.com/office/drawing/2014/main" id="{A4FD5AF1-D8FF-2D85-E6CB-42B71EE162D0}"/>
+                <a16:creationId xmlns:a16="http://schemas.microsoft.com/office/drawing/2014/main" id="{3F5F2830-A925-FDF1-D1B3-C3AD1985D3A6}"/>
               </a:ext>
             </a:extLst>
           </p:cNvPr>
@@ -1862,7 +1862,7 @@
           <a:bodyPr/>
           <a:lstStyle/>
           <a:p>
-            <a:fld id="{AF375CCF-3260-4EEE-B184-6CAEC7A927AA}" type="slidenum">
+            <a:fld id="{D4B88D4F-01C0-4599-B78B-CC3F7A0D30CC}" type="slidenum">
               <a:rPr lang="zh-CN" altLang="en-US" smtClean="0"/>
               <a:t>‹#›</a:t>
             </a:fld>
@@ -1873,7 +1873,7 @@
     </p:spTree>
     <p:extLst>
       <p:ext uri="{BB962C8B-B14F-4D97-AF65-F5344CB8AC3E}">
-        <p14:creationId xmlns:p14="http://schemas.microsoft.com/office/powerpoint/2010/main" val="2800136853"/>
+        <p14:creationId xmlns:p14="http://schemas.microsoft.com/office/powerpoint/2010/main" val="1617837870"/>
       </p:ext>
     </p:extLst>
   </p:cSld>
@@ -1905,7 +1905,7 @@
           <p:cNvPr id="2" name="标题 1">
             <a:extLst>
               <a:ext uri="{FF2B5EF4-FFF2-40B4-BE49-F238E27FC236}">
-                <a16:creationId xmlns:a16="http://schemas.microsoft.com/office/drawing/2014/main" id="{6308B7D9-49BF-B0F0-7DA7-9A1B2F63EE31}"/>
+                <a16:creationId xmlns:a16="http://schemas.microsoft.com/office/drawing/2014/main" id="{CB864AE4-9458-DA34-90A8-43832DBA2658}"/>
               </a:ext>
             </a:extLst>
           </p:cNvPr>
@@ -1933,7 +1933,7 @@
           <p:cNvPr id="3" name="日期占位符 2">
             <a:extLst>
               <a:ext uri="{FF2B5EF4-FFF2-40B4-BE49-F238E27FC236}">
-                <a16:creationId xmlns:a16="http://schemas.microsoft.com/office/drawing/2014/main" id="{0B83ED1F-8F52-C780-4DBC-5AA04CEB5F4A}"/>
+                <a16:creationId xmlns:a16="http://schemas.microsoft.com/office/drawing/2014/main" id="{D29750B4-3122-35BF-AB42-619D225B2C8B}"/>
               </a:ext>
             </a:extLst>
           </p:cNvPr>
@@ -1949,7 +1949,7 @@
           <a:bodyPr/>
           <a:lstStyle/>
           <a:p>
-            <a:fld id="{19326FE2-5CA2-4443-9B49-E52FCE63D9E6}" type="datetimeFigureOut">
+            <a:fld id="{44D1AB12-F0B1-4182-B6BD-464679B427F9}" type="datetimeFigureOut">
               <a:rPr lang="zh-CN" altLang="en-US" smtClean="0"/>
               <a:t>2024/3/10</a:t>
             </a:fld>
@@ -1962,7 +1962,7 @@
           <p:cNvPr id="4" name="页脚占位符 3">
             <a:extLst>
               <a:ext uri="{FF2B5EF4-FFF2-40B4-BE49-F238E27FC236}">
-                <a16:creationId xmlns:a16="http://schemas.microsoft.com/office/drawing/2014/main" id="{08FB2EE9-8304-327D-0DE6-DECEE95E420E}"/>
+                <a16:creationId xmlns:a16="http://schemas.microsoft.com/office/drawing/2014/main" id="{EF4E2CAF-AA12-75B0-3EDC-9069B9258461}"/>
               </a:ext>
             </a:extLst>
           </p:cNvPr>
@@ -1987,7 +1987,7 @@
           <p:cNvPr id="5" name="灯片编号占位符 4">
             <a:extLst>
               <a:ext uri="{FF2B5EF4-FFF2-40B4-BE49-F238E27FC236}">
-                <a16:creationId xmlns:a16="http://schemas.microsoft.com/office/drawing/2014/main" id="{91ED53B9-73CE-9AC5-AF7F-8DFA6DA15A9F}"/>
+                <a16:creationId xmlns:a16="http://schemas.microsoft.com/office/drawing/2014/main" id="{5FD913D9-FBBC-FDF6-55DD-037922978A9D}"/>
               </a:ext>
             </a:extLst>
           </p:cNvPr>
@@ -2003,7 +2003,7 @@
           <a:bodyPr/>
           <a:lstStyle/>
           <a:p>
-            <a:fld id="{AF375CCF-3260-4EEE-B184-6CAEC7A927AA}" type="slidenum">
+            <a:fld id="{D4B88D4F-01C0-4599-B78B-CC3F7A0D30CC}" type="slidenum">
               <a:rPr lang="zh-CN" altLang="en-US" smtClean="0"/>
               <a:t>‹#›</a:t>
             </a:fld>
@@ -2014,7 +2014,7 @@
     </p:spTree>
     <p:extLst>
       <p:ext uri="{BB962C8B-B14F-4D97-AF65-F5344CB8AC3E}">
-        <p14:creationId xmlns:p14="http://schemas.microsoft.com/office/powerpoint/2010/main" val="1685822966"/>
+        <p14:creationId xmlns:p14="http://schemas.microsoft.com/office/powerpoint/2010/main" val="1328750869"/>
       </p:ext>
     </p:extLst>
   </p:cSld>
@@ -2046,7 +2046,7 @@
           <p:cNvPr id="2" name="日期占位符 1">
             <a:extLst>
               <a:ext uri="{FF2B5EF4-FFF2-40B4-BE49-F238E27FC236}">
-                <a16:creationId xmlns:a16="http://schemas.microsoft.com/office/drawing/2014/main" id="{18F014FE-BC8F-54B1-AE16-9148D5889F86}"/>
+                <a16:creationId xmlns:a16="http://schemas.microsoft.com/office/drawing/2014/main" id="{5CE274C1-5255-F407-AFEA-09B0D6DD5E52}"/>
               </a:ext>
             </a:extLst>
           </p:cNvPr>
@@ -2062,7 +2062,7 @@
           <a:bodyPr/>
           <a:lstStyle/>
           <a:p>
-            <a:fld id="{19326FE2-5CA2-4443-9B49-E52FCE63D9E6}" type="datetimeFigureOut">
+            <a:fld id="{44D1AB12-F0B1-4182-B6BD-464679B427F9}" type="datetimeFigureOut">
               <a:rPr lang="zh-CN" altLang="en-US" smtClean="0"/>
               <a:t>2024/3/10</a:t>
             </a:fld>
@@ -2075,7 +2075,7 @@
           <p:cNvPr id="3" name="页脚占位符 2">
             <a:extLst>
               <a:ext uri="{FF2B5EF4-FFF2-40B4-BE49-F238E27FC236}">
-                <a16:creationId xmlns:a16="http://schemas.microsoft.com/office/drawing/2014/main" id="{9E01D013-C97F-CDD9-AE29-2858F80AB6AB}"/>
+                <a16:creationId xmlns:a16="http://schemas.microsoft.com/office/drawing/2014/main" id="{DDE5C37E-16F5-1F7F-62F6-A6000EA0ECB8}"/>
               </a:ext>
             </a:extLst>
           </p:cNvPr>
@@ -2100,7 +2100,7 @@
           <p:cNvPr id="4" name="灯片编号占位符 3">
             <a:extLst>
               <a:ext uri="{FF2B5EF4-FFF2-40B4-BE49-F238E27FC236}">
-                <a16:creationId xmlns:a16="http://schemas.microsoft.com/office/drawing/2014/main" id="{06557B95-BFBC-98C5-007E-DBDB04FEE327}"/>
+                <a16:creationId xmlns:a16="http://schemas.microsoft.com/office/drawing/2014/main" id="{FB6BBD76-3174-6794-896D-E05F09B91119}"/>
               </a:ext>
             </a:extLst>
           </p:cNvPr>
@@ -2116,7 +2116,7 @@
           <a:bodyPr/>
           <a:lstStyle/>
           <a:p>
-            <a:fld id="{AF375CCF-3260-4EEE-B184-6CAEC7A927AA}" type="slidenum">
+            <a:fld id="{D4B88D4F-01C0-4599-B78B-CC3F7A0D30CC}" type="slidenum">
               <a:rPr lang="zh-CN" altLang="en-US" smtClean="0"/>
               <a:t>‹#›</a:t>
             </a:fld>
@@ -2127,7 +2127,7 @@
     </p:spTree>
     <p:extLst>
       <p:ext uri="{BB962C8B-B14F-4D97-AF65-F5344CB8AC3E}">
-        <p14:creationId xmlns:p14="http://schemas.microsoft.com/office/powerpoint/2010/main" val="2701633034"/>
+        <p14:creationId xmlns:p14="http://schemas.microsoft.com/office/powerpoint/2010/main" val="2955113200"/>
       </p:ext>
     </p:extLst>
   </p:cSld>
@@ -2159,7 +2159,7 @@
           <p:cNvPr id="2" name="标题 1">
             <a:extLst>
               <a:ext uri="{FF2B5EF4-FFF2-40B4-BE49-F238E27FC236}">
-                <a16:creationId xmlns:a16="http://schemas.microsoft.com/office/drawing/2014/main" id="{A8751CA1-7250-B4F0-470C-97E879388688}"/>
+                <a16:creationId xmlns:a16="http://schemas.microsoft.com/office/drawing/2014/main" id="{D8417F11-0257-4D79-6E16-AA777B9B1585}"/>
               </a:ext>
             </a:extLst>
           </p:cNvPr>
@@ -2196,7 +2196,7 @@
           <p:cNvPr id="3" name="内容占位符 2">
             <a:extLst>
               <a:ext uri="{FF2B5EF4-FFF2-40B4-BE49-F238E27FC236}">
-                <a16:creationId xmlns:a16="http://schemas.microsoft.com/office/drawing/2014/main" id="{29956476-96BF-E381-7193-0485AA667B25}"/>
+                <a16:creationId xmlns:a16="http://schemas.microsoft.com/office/drawing/2014/main" id="{719D033D-AA18-D071-14E4-9F68C29EE076}"/>
               </a:ext>
             </a:extLst>
           </p:cNvPr>
@@ -2286,7 +2286,7 @@
           <p:cNvPr id="4" name="文本占位符 3">
             <a:extLst>
               <a:ext uri="{FF2B5EF4-FFF2-40B4-BE49-F238E27FC236}">
-                <a16:creationId xmlns:a16="http://schemas.microsoft.com/office/drawing/2014/main" id="{51CD3672-66B0-FB7B-C05B-5E1C938B7BF4}"/>
+                <a16:creationId xmlns:a16="http://schemas.microsoft.com/office/drawing/2014/main" id="{81307890-3BCA-B9BB-257F-501F3A3E5F0B}"/>
               </a:ext>
             </a:extLst>
           </p:cNvPr>
@@ -2357,7 +2357,7 @@
           <p:cNvPr id="5" name="日期占位符 4">
             <a:extLst>
               <a:ext uri="{FF2B5EF4-FFF2-40B4-BE49-F238E27FC236}">
-                <a16:creationId xmlns:a16="http://schemas.microsoft.com/office/drawing/2014/main" id="{E6E08EE7-F0F8-659B-9625-BE2931DF9D27}"/>
+                <a16:creationId xmlns:a16="http://schemas.microsoft.com/office/drawing/2014/main" id="{A631DED8-DB2E-2050-5BC4-4E3CDE26EF6C}"/>
               </a:ext>
             </a:extLst>
           </p:cNvPr>
@@ -2373,7 +2373,7 @@
           <a:bodyPr/>
           <a:lstStyle/>
           <a:p>
-            <a:fld id="{19326FE2-5CA2-4443-9B49-E52FCE63D9E6}" type="datetimeFigureOut">
+            <a:fld id="{44D1AB12-F0B1-4182-B6BD-464679B427F9}" type="datetimeFigureOut">
               <a:rPr lang="zh-CN" altLang="en-US" smtClean="0"/>
               <a:t>2024/3/10</a:t>
             </a:fld>
@@ -2386,7 +2386,7 @@
           <p:cNvPr id="6" name="页脚占位符 5">
             <a:extLst>
               <a:ext uri="{FF2B5EF4-FFF2-40B4-BE49-F238E27FC236}">
-                <a16:creationId xmlns:a16="http://schemas.microsoft.com/office/drawing/2014/main" id="{B90DE265-FDDE-FA01-18FF-0849C2B0D9DC}"/>
+                <a16:creationId xmlns:a16="http://schemas.microsoft.com/office/drawing/2014/main" id="{75168439-8178-892D-106B-13EBE10B3E40}"/>
               </a:ext>
             </a:extLst>
           </p:cNvPr>
@@ -2411,7 +2411,7 @@
           <p:cNvPr id="7" name="灯片编号占位符 6">
             <a:extLst>
               <a:ext uri="{FF2B5EF4-FFF2-40B4-BE49-F238E27FC236}">
-                <a16:creationId xmlns:a16="http://schemas.microsoft.com/office/drawing/2014/main" id="{22539197-6ACA-CD7F-ADF6-965F46D8E3A0}"/>
+                <a16:creationId xmlns:a16="http://schemas.microsoft.com/office/drawing/2014/main" id="{B58321AC-C2BE-65F2-3A09-05BF58040C13}"/>
               </a:ext>
             </a:extLst>
           </p:cNvPr>
@@ -2427,7 +2427,7 @@
           <a:bodyPr/>
           <a:lstStyle/>
           <a:p>
-            <a:fld id="{AF375CCF-3260-4EEE-B184-6CAEC7A927AA}" type="slidenum">
+            <a:fld id="{D4B88D4F-01C0-4599-B78B-CC3F7A0D30CC}" type="slidenum">
               <a:rPr lang="zh-CN" altLang="en-US" smtClean="0"/>
               <a:t>‹#›</a:t>
             </a:fld>
@@ -2438,7 +2438,7 @@
     </p:spTree>
     <p:extLst>
       <p:ext uri="{BB962C8B-B14F-4D97-AF65-F5344CB8AC3E}">
-        <p14:creationId xmlns:p14="http://schemas.microsoft.com/office/powerpoint/2010/main" val="1606591974"/>
+        <p14:creationId xmlns:p14="http://schemas.microsoft.com/office/powerpoint/2010/main" val="1401379479"/>
       </p:ext>
     </p:extLst>
   </p:cSld>
@@ -2470,7 +2470,7 @@
           <p:cNvPr id="2" name="标题 1">
             <a:extLst>
               <a:ext uri="{FF2B5EF4-FFF2-40B4-BE49-F238E27FC236}">
-                <a16:creationId xmlns:a16="http://schemas.microsoft.com/office/drawing/2014/main" id="{C60165FB-B4CE-9B8D-EE32-9D8BC343307B}"/>
+                <a16:creationId xmlns:a16="http://schemas.microsoft.com/office/drawing/2014/main" id="{EDC6A912-31C7-CDF1-2A8D-CCE9C9EBA617}"/>
               </a:ext>
             </a:extLst>
           </p:cNvPr>
@@ -2507,7 +2507,7 @@
           <p:cNvPr id="3" name="图片占位符 2">
             <a:extLst>
               <a:ext uri="{FF2B5EF4-FFF2-40B4-BE49-F238E27FC236}">
-                <a16:creationId xmlns:a16="http://schemas.microsoft.com/office/drawing/2014/main" id="{D5AC9A71-EED9-CFFB-2725-4A98D7456C9A}"/>
+                <a16:creationId xmlns:a16="http://schemas.microsoft.com/office/drawing/2014/main" id="{4B942020-41EA-5537-8A59-04B66895BC11}"/>
               </a:ext>
             </a:extLst>
           </p:cNvPr>
@@ -2574,7 +2574,7 @@
           <p:cNvPr id="4" name="文本占位符 3">
             <a:extLst>
               <a:ext uri="{FF2B5EF4-FFF2-40B4-BE49-F238E27FC236}">
-                <a16:creationId xmlns:a16="http://schemas.microsoft.com/office/drawing/2014/main" id="{66440894-6921-9672-5F8B-D1464FCDA807}"/>
+                <a16:creationId xmlns:a16="http://schemas.microsoft.com/office/drawing/2014/main" id="{B572C745-2215-2483-FACB-35A7409DB288}"/>
               </a:ext>
             </a:extLst>
           </p:cNvPr>
@@ -2645,7 +2645,7 @@
           <p:cNvPr id="5" name="日期占位符 4">
             <a:extLst>
               <a:ext uri="{FF2B5EF4-FFF2-40B4-BE49-F238E27FC236}">
-                <a16:creationId xmlns:a16="http://schemas.microsoft.com/office/drawing/2014/main" id="{D89DA297-90E7-7872-EF91-AA1488CC74DB}"/>
+                <a16:creationId xmlns:a16="http://schemas.microsoft.com/office/drawing/2014/main" id="{C9A4C585-FE61-EA13-AB2E-6CD36BBE9432}"/>
               </a:ext>
             </a:extLst>
           </p:cNvPr>
@@ -2661,7 +2661,7 @@
           <a:bodyPr/>
           <a:lstStyle/>
           <a:p>
-            <a:fld id="{19326FE2-5CA2-4443-9B49-E52FCE63D9E6}" type="datetimeFigureOut">
+            <a:fld id="{44D1AB12-F0B1-4182-B6BD-464679B427F9}" type="datetimeFigureOut">
               <a:rPr lang="zh-CN" altLang="en-US" smtClean="0"/>
               <a:t>2024/3/10</a:t>
             </a:fld>
@@ -2674,7 +2674,7 @@
           <p:cNvPr id="6" name="页脚占位符 5">
             <a:extLst>
               <a:ext uri="{FF2B5EF4-FFF2-40B4-BE49-F238E27FC236}">
-                <a16:creationId xmlns:a16="http://schemas.microsoft.com/office/drawing/2014/main" id="{24FC37BF-67D5-8063-4153-8F48F5003829}"/>
+                <a16:creationId xmlns:a16="http://schemas.microsoft.com/office/drawing/2014/main" id="{A5F900F6-6F1A-5D0E-03DB-1F2AFD814E2D}"/>
               </a:ext>
             </a:extLst>
           </p:cNvPr>
@@ -2699,7 +2699,7 @@
           <p:cNvPr id="7" name="灯片编号占位符 6">
             <a:extLst>
               <a:ext uri="{FF2B5EF4-FFF2-40B4-BE49-F238E27FC236}">
-                <a16:creationId xmlns:a16="http://schemas.microsoft.com/office/drawing/2014/main" id="{AF5FCCFA-33C3-9603-680A-9A3A041ACD91}"/>
+                <a16:creationId xmlns:a16="http://schemas.microsoft.com/office/drawing/2014/main" id="{869A412B-B88C-E467-FAC1-A88D30B3775C}"/>
               </a:ext>
             </a:extLst>
           </p:cNvPr>
@@ -2715,7 +2715,7 @@
           <a:bodyPr/>
           <a:lstStyle/>
           <a:p>
-            <a:fld id="{AF375CCF-3260-4EEE-B184-6CAEC7A927AA}" type="slidenum">
+            <a:fld id="{D4B88D4F-01C0-4599-B78B-CC3F7A0D30CC}" type="slidenum">
               <a:rPr lang="zh-CN" altLang="en-US" smtClean="0"/>
               <a:t>‹#›</a:t>
             </a:fld>
@@ -2726,7 +2726,7 @@
     </p:spTree>
     <p:extLst>
       <p:ext uri="{BB962C8B-B14F-4D97-AF65-F5344CB8AC3E}">
-        <p14:creationId xmlns:p14="http://schemas.microsoft.com/office/powerpoint/2010/main" val="3944979127"/>
+        <p14:creationId xmlns:p14="http://schemas.microsoft.com/office/powerpoint/2010/main" val="1030959655"/>
       </p:ext>
     </p:extLst>
   </p:cSld>
@@ -2763,7 +2763,7 @@
           <p:cNvPr id="2" name="标题占位符 1">
             <a:extLst>
               <a:ext uri="{FF2B5EF4-FFF2-40B4-BE49-F238E27FC236}">
-                <a16:creationId xmlns:a16="http://schemas.microsoft.com/office/drawing/2014/main" id="{A20C9E2F-05EB-DA67-FDD4-BE7E51F66AAC}"/>
+                <a16:creationId xmlns:a16="http://schemas.microsoft.com/office/drawing/2014/main" id="{16C158EC-35C6-6B75-C446-A1769175B062}"/>
               </a:ext>
             </a:extLst>
           </p:cNvPr>
@@ -2801,7 +2801,7 @@
           <p:cNvPr id="3" name="文本占位符 2">
             <a:extLst>
               <a:ext uri="{FF2B5EF4-FFF2-40B4-BE49-F238E27FC236}">
-                <a16:creationId xmlns:a16="http://schemas.microsoft.com/office/drawing/2014/main" id="{AEB8EC27-F93F-D1BC-84DF-BC9A2A319E57}"/>
+                <a16:creationId xmlns:a16="http://schemas.microsoft.com/office/drawing/2014/main" id="{E104AFBC-8149-95C6-3672-B10B679CF3B4}"/>
               </a:ext>
             </a:extLst>
           </p:cNvPr>
@@ -2868,7 +2868,7 @@
           <p:cNvPr id="4" name="日期占位符 3">
             <a:extLst>
               <a:ext uri="{FF2B5EF4-FFF2-40B4-BE49-F238E27FC236}">
-                <a16:creationId xmlns:a16="http://schemas.microsoft.com/office/drawing/2014/main" id="{CD940223-1985-EDE6-E7E8-277AE0C560B1}"/>
+                <a16:creationId xmlns:a16="http://schemas.microsoft.com/office/drawing/2014/main" id="{D66677BF-8084-BD7E-1F10-47D72C270395}"/>
               </a:ext>
             </a:extLst>
           </p:cNvPr>
@@ -2902,7 +2902,7 @@
             </a:lvl1pPr>
           </a:lstStyle>
           <a:p>
-            <a:fld id="{19326FE2-5CA2-4443-9B49-E52FCE63D9E6}" type="datetimeFigureOut">
+            <a:fld id="{44D1AB12-F0B1-4182-B6BD-464679B427F9}" type="datetimeFigureOut">
               <a:rPr lang="zh-CN" altLang="en-US" smtClean="0"/>
               <a:t>2024/3/10</a:t>
             </a:fld>
@@ -2915,7 +2915,7 @@
           <p:cNvPr id="5" name="页脚占位符 4">
             <a:extLst>
               <a:ext uri="{FF2B5EF4-FFF2-40B4-BE49-F238E27FC236}">
-                <a16:creationId xmlns:a16="http://schemas.microsoft.com/office/drawing/2014/main" id="{F4A27880-E961-C4A0-CCE6-858ED2F01599}"/>
+                <a16:creationId xmlns:a16="http://schemas.microsoft.com/office/drawing/2014/main" id="{1F1958F4-7199-5535-43AE-1E411F077DA9}"/>
               </a:ext>
             </a:extLst>
           </p:cNvPr>
@@ -2958,7 +2958,7 @@
           <p:cNvPr id="6" name="灯片编号占位符 5">
             <a:extLst>
               <a:ext uri="{FF2B5EF4-FFF2-40B4-BE49-F238E27FC236}">
-                <a16:creationId xmlns:a16="http://schemas.microsoft.com/office/drawing/2014/main" id="{BD473C1A-199C-E532-BAC5-6B1DCFCDC794}"/>
+                <a16:creationId xmlns:a16="http://schemas.microsoft.com/office/drawing/2014/main" id="{961C1EB0-4614-E8EC-0755-C560F13F06FE}"/>
               </a:ext>
             </a:extLst>
           </p:cNvPr>
@@ -2992,7 +2992,7 @@
             </a:lvl1pPr>
           </a:lstStyle>
           <a:p>
-            <a:fld id="{AF375CCF-3260-4EEE-B184-6CAEC7A927AA}" type="slidenum">
+            <a:fld id="{D4B88D4F-01C0-4599-B78B-CC3F7A0D30CC}" type="slidenum">
               <a:rPr lang="zh-CN" altLang="en-US" smtClean="0"/>
               <a:t>‹#›</a:t>
             </a:fld>
@@ -3003,7 +3003,7 @@
     </p:spTree>
     <p:extLst>
       <p:ext uri="{BB962C8B-B14F-4D97-AF65-F5344CB8AC3E}">
-        <p14:creationId xmlns:p14="http://schemas.microsoft.com/office/powerpoint/2010/main" val="1572771455"/>
+        <p14:creationId xmlns:p14="http://schemas.microsoft.com/office/powerpoint/2010/main" val="3286369509"/>
       </p:ext>
     </p:extLst>
   </p:cSld>
